--- a/Бот для прогноза погоды.pptx
+++ b/Бот для прогноза погоды.pptx
@@ -11,6 +11,7 @@
     <p:sldId id="259" r:id="rId5"/>
     <p:sldId id="260" r:id="rId6"/>
     <p:sldId id="261" r:id="rId7"/>
+    <p:sldId id="262" r:id="rId8"/>
   </p:sldIdLst>
   <p:sldSz cx="12192000" cy="6858000"/>
   <p:notesSz cx="6858000" cy="9144000"/>
@@ -109,6 +110,11 @@
       </a:defRPr>
     </a:lvl9pPr>
   </p:defaultTextStyle>
+  <p:extLst>
+    <p:ext uri="{EFAFB233-063F-42B5-8137-9DF3F51BA10A}">
+      <p15:sldGuideLst xmlns:p15="http://schemas.microsoft.com/office/powerpoint/2012/main"/>
+    </p:ext>
+  </p:extLst>
 </p:presentation>
 </file>
 
@@ -3655,6 +3661,90 @@
 </p:sld>
 </file>
 
+<file path=ppt/slides/slide7.xml><?xml version="1.0" encoding="utf-8"?>
+<p:sld xmlns:a="http://schemas.openxmlformats.org/drawingml/2006/main" xmlns:r="http://schemas.openxmlformats.org/officeDocument/2006/relationships" xmlns:p="http://schemas.openxmlformats.org/presentationml/2006/main">
+  <p:cSld>
+    <p:spTree>
+      <p:nvGrpSpPr>
+        <p:cNvPr id="1" name=""/>
+        <p:cNvGrpSpPr/>
+        <p:nvPr/>
+      </p:nvGrpSpPr>
+      <p:grpSpPr>
+        <a:xfrm>
+          <a:off x="0" y="0"/>
+          <a:ext cx="0" cy="0"/>
+          <a:chOff x="0" y="0"/>
+          <a:chExt cx="0" cy="0"/>
+        </a:xfrm>
+      </p:grpSpPr>
+      <p:pic>
+        <p:nvPicPr>
+          <p:cNvPr id="2" name="Рисунок 1"/>
+          <p:cNvPicPr>
+            <a:picLocks noChangeAspect="1"/>
+          </p:cNvPicPr>
+          <p:nvPr/>
+        </p:nvPicPr>
+        <p:blipFill>
+          <a:blip r:embed="rId2"/>
+          <a:stretch>
+            <a:fillRect/>
+          </a:stretch>
+        </p:blipFill>
+        <p:spPr>
+          <a:xfrm>
+            <a:off x="1011068" y="840464"/>
+            <a:ext cx="5365020" cy="5226703"/>
+          </a:xfrm>
+          <a:prstGeom prst="rect">
+            <a:avLst/>
+          </a:prstGeom>
+        </p:spPr>
+      </p:pic>
+      <p:sp>
+        <p:nvSpPr>
+          <p:cNvPr id="3" name="TextBox 2"/>
+          <p:cNvSpPr txBox="1"/>
+          <p:nvPr/>
+        </p:nvSpPr>
+        <p:spPr>
+          <a:xfrm>
+            <a:off x="7801232" y="1532238"/>
+            <a:ext cx="905889" cy="369332"/>
+          </a:xfrm>
+          <a:prstGeom prst="rect">
+            <a:avLst/>
+          </a:prstGeom>
+          <a:noFill/>
+        </p:spPr>
+        <p:txBody>
+          <a:bodyPr wrap="none" rtlCol="0">
+            <a:spAutoFit/>
+          </a:bodyPr>
+          <a:lstStyle/>
+          <a:p>
+            <a:r>
+              <a:rPr lang="ru-RU" smtClean="0"/>
+              <a:t>Вот бот</a:t>
+            </a:r>
+            <a:endParaRPr lang="ru-RU"/>
+          </a:p>
+        </p:txBody>
+      </p:sp>
+    </p:spTree>
+    <p:extLst>
+      <p:ext uri="{BB962C8B-B14F-4D97-AF65-F5344CB8AC3E}">
+        <p14:creationId xmlns:p14="http://schemas.microsoft.com/office/powerpoint/2010/main" val="3484747969"/>
+      </p:ext>
+    </p:extLst>
+  </p:cSld>
+  <p:clrMapOvr>
+    <a:masterClrMapping/>
+  </p:clrMapOvr>
+</p:sld>
+</file>
+
 <file path=ppt/theme/theme1.xml><?xml version="1.0" encoding="utf-8"?>
 <a:theme xmlns:a="http://schemas.openxmlformats.org/drawingml/2006/main" name="Тема Office">
   <a:themeElements>

--- a/Бот для прогноза погоды.pptx
+++ b/Бот для прогноза погоды.pptx
@@ -7,11 +7,12 @@
   <p:sldIdLst>
     <p:sldId id="256" r:id="rId2"/>
     <p:sldId id="257" r:id="rId3"/>
-    <p:sldId id="258" r:id="rId4"/>
-    <p:sldId id="259" r:id="rId5"/>
-    <p:sldId id="260" r:id="rId6"/>
-    <p:sldId id="261" r:id="rId7"/>
-    <p:sldId id="262" r:id="rId8"/>
+    <p:sldId id="263" r:id="rId4"/>
+    <p:sldId id="258" r:id="rId5"/>
+    <p:sldId id="259" r:id="rId6"/>
+    <p:sldId id="260" r:id="rId7"/>
+    <p:sldId id="261" r:id="rId8"/>
+    <p:sldId id="262" r:id="rId9"/>
   </p:sldIdLst>
   <p:sldSz cx="12192000" cy="6858000"/>
   <p:notesSz cx="6858000" cy="9144000"/>
@@ -3193,6 +3194,106 @@
           <a:p>
             <a:r>
               <a:rPr lang="ru-RU" dirty="0" smtClean="0"/>
+              <a:t>Задачи</a:t>
+            </a:r>
+            <a:endParaRPr lang="ru-RU" dirty="0"/>
+          </a:p>
+        </p:txBody>
+      </p:sp>
+      <p:sp>
+        <p:nvSpPr>
+          <p:cNvPr id="3" name="Объект 2"/>
+          <p:cNvSpPr>
+            <a:spLocks noGrp="1"/>
+          </p:cNvSpPr>
+          <p:nvPr>
+            <p:ph idx="1"/>
+          </p:nvPr>
+        </p:nvSpPr>
+        <p:spPr/>
+        <p:txBody>
+          <a:bodyPr/>
+          <a:lstStyle/>
+          <a:p>
+            <a:r>
+              <a:rPr lang="ru-RU" dirty="0" smtClean="0"/>
+              <a:t>Регистрация</a:t>
+            </a:r>
+          </a:p>
+          <a:p>
+            <a:r>
+              <a:rPr lang="ru-RU" dirty="0" smtClean="0"/>
+              <a:t>Отправлять прогноз погоды в указанное время</a:t>
+            </a:r>
+          </a:p>
+          <a:p>
+            <a:r>
+              <a:rPr lang="ru-RU" dirty="0" smtClean="0"/>
+              <a:t>Отправлять прогноз погоды по функциям</a:t>
+            </a:r>
+          </a:p>
+          <a:p>
+            <a:r>
+              <a:rPr lang="ru-RU" dirty="0" smtClean="0"/>
+              <a:t>Выплёвывать время в городе по умолчанию по вызову функции</a:t>
+            </a:r>
+          </a:p>
+          <a:p>
+            <a:r>
+              <a:rPr lang="ru-RU" smtClean="0"/>
+              <a:t>Функция помощи</a:t>
+            </a:r>
+            <a:endParaRPr lang="ru-RU" dirty="0"/>
+          </a:p>
+        </p:txBody>
+      </p:sp>
+    </p:spTree>
+    <p:extLst>
+      <p:ext uri="{BB962C8B-B14F-4D97-AF65-F5344CB8AC3E}">
+        <p14:creationId xmlns:p14="http://schemas.microsoft.com/office/powerpoint/2010/main" val="2979587801"/>
+      </p:ext>
+    </p:extLst>
+  </p:cSld>
+  <p:clrMapOvr>
+    <a:masterClrMapping/>
+  </p:clrMapOvr>
+</p:sld>
+</file>
+
+<file path=ppt/slides/slide4.xml><?xml version="1.0" encoding="utf-8"?>
+<p:sld xmlns:a="http://schemas.openxmlformats.org/drawingml/2006/main" xmlns:r="http://schemas.openxmlformats.org/officeDocument/2006/relationships" xmlns:p="http://schemas.openxmlformats.org/presentationml/2006/main">
+  <p:cSld>
+    <p:spTree>
+      <p:nvGrpSpPr>
+        <p:cNvPr id="1" name=""/>
+        <p:cNvGrpSpPr/>
+        <p:nvPr/>
+      </p:nvGrpSpPr>
+      <p:grpSpPr>
+        <a:xfrm>
+          <a:off x="0" y="0"/>
+          <a:ext cx="0" cy="0"/>
+          <a:chOff x="0" y="0"/>
+          <a:chExt cx="0" cy="0"/>
+        </a:xfrm>
+      </p:grpSpPr>
+      <p:sp>
+        <p:nvSpPr>
+          <p:cNvPr id="2" name="Заголовок 1"/>
+          <p:cNvSpPr>
+            <a:spLocks noGrp="1"/>
+          </p:cNvSpPr>
+          <p:nvPr>
+            <p:ph type="title"/>
+          </p:nvPr>
+        </p:nvSpPr>
+        <p:spPr/>
+        <p:txBody>
+          <a:bodyPr/>
+          <a:lstStyle/>
+          <a:p>
+            <a:r>
+              <a:rPr lang="ru-RU" dirty="0" smtClean="0"/>
               <a:t>Описание реализации</a:t>
             </a:r>
             <a:endParaRPr lang="ru-RU" dirty="0"/>
@@ -3293,7 +3394,7 @@
 </p:sld>
 </file>
 
-<file path=ppt/slides/slide4.xml><?xml version="1.0" encoding="utf-8"?>
+<file path=ppt/slides/slide5.xml><?xml version="1.0" encoding="utf-8"?>
 <p:sld xmlns:a="http://schemas.openxmlformats.org/drawingml/2006/main" xmlns:r="http://schemas.openxmlformats.org/officeDocument/2006/relationships" xmlns:p="http://schemas.openxmlformats.org/presentationml/2006/main">
   <p:cSld>
     <p:spTree>
@@ -3462,7 +3563,7 @@
 </p:sld>
 </file>
 
-<file path=ppt/slides/slide5.xml><?xml version="1.0" encoding="utf-8"?>
+<file path=ppt/slides/slide6.xml><?xml version="1.0" encoding="utf-8"?>
 <p:sld xmlns:a="http://schemas.openxmlformats.org/drawingml/2006/main" xmlns:r="http://schemas.openxmlformats.org/officeDocument/2006/relationships" xmlns:p="http://schemas.openxmlformats.org/presentationml/2006/main">
   <p:cSld>
     <p:spTree>
@@ -3576,7 +3677,7 @@
 </p:sld>
 </file>
 
-<file path=ppt/slides/slide6.xml><?xml version="1.0" encoding="utf-8"?>
+<file path=ppt/slides/slide7.xml><?xml version="1.0" encoding="utf-8"?>
 <p:sld xmlns:a="http://schemas.openxmlformats.org/drawingml/2006/main" xmlns:r="http://schemas.openxmlformats.org/officeDocument/2006/relationships" xmlns:p="http://schemas.openxmlformats.org/presentationml/2006/main">
   <p:cSld>
     <p:spTree>
@@ -3661,7 +3762,7 @@
 </p:sld>
 </file>
 
-<file path=ppt/slides/slide7.xml><?xml version="1.0" encoding="utf-8"?>
+<file path=ppt/slides/slide8.xml><?xml version="1.0" encoding="utf-8"?>
 <p:sld xmlns:a="http://schemas.openxmlformats.org/drawingml/2006/main" xmlns:r="http://schemas.openxmlformats.org/officeDocument/2006/relationships" xmlns:p="http://schemas.openxmlformats.org/presentationml/2006/main">
   <p:cSld>
     <p:spTree>

--- a/Бот для прогноза погоды.pptx
+++ b/Бот для прогноза погоды.pptx
@@ -3089,7 +3089,7 @@
           <a:p>
             <a:r>
               <a:rPr lang="ru-RU" dirty="0" smtClean="0"/>
-              <a:t>Введение</a:t>
+              <a:t>Введение и актуальность</a:t>
             </a:r>
             <a:endParaRPr lang="ru-RU" dirty="0"/>
           </a:p>
@@ -3108,16 +3108,28 @@
         <p:spPr>
           <a:xfrm>
             <a:off x="838200" y="1825625"/>
-            <a:ext cx="3839678" cy="4351338"/>
+            <a:ext cx="3839678" cy="4739932"/>
           </a:xfrm>
         </p:spPr>
         <p:txBody>
-          <a:bodyPr/>
+          <a:bodyPr>
+            <a:normAutofit/>
+          </a:bodyPr>
           <a:lstStyle/>
           <a:p>
             <a:r>
               <a:rPr lang="ru-RU" dirty="0" smtClean="0"/>
-              <a:t>Бот, который умеет отправлять прогноз погоды на сегодняшний день, на ближайшие 5 дней и показывать точное время в городе по умолчанию</a:t>
+              <a:t>Бот, который умеет отправлять прогноз погоды на сегодняшний день, на ближайшие 5 дней и показывать точное время в городе по </a:t>
+            </a:r>
+            <a:r>
+              <a:rPr lang="ru-RU" dirty="0" smtClean="0"/>
+              <a:t>умолчанию</a:t>
+            </a:r>
+          </a:p>
+          <a:p>
+            <a:r>
+              <a:rPr lang="ru-RU" dirty="0" smtClean="0"/>
+              <a:t>Удобно получать прогноз погоды на день</a:t>
             </a:r>
             <a:endParaRPr lang="ru-RU" dirty="0"/>
           </a:p>
@@ -3240,7 +3252,7 @@
           </a:p>
           <a:p>
             <a:r>
-              <a:rPr lang="ru-RU" smtClean="0"/>
+              <a:rPr lang="ru-RU" dirty="0" smtClean="0"/>
               <a:t>Функция помощи</a:t>
             </a:r>
             <a:endParaRPr lang="ru-RU" dirty="0"/>
